--- a/docs/PRESENTATION/presentation.pptx
+++ b/docs/PRESENTATION/presentation.pptx
@@ -10,6 +10,7 @@
     <p:sldId id="258" r:id="rId4"/>
     <p:sldId id="259" r:id="rId5"/>
     <p:sldId id="260" r:id="rId6"/>
+    <p:sldId id="261" r:id="rId7"/>
   </p:sldIdLst>
   <p:sldSz cx="12192000" cy="6858000"/>
   <p:notesSz cx="6858000" cy="9144000"/>
@@ -3568,13 +3569,13 @@
   <p:clrMapOvr>
     <a:masterClrMapping/>
   </p:clrMapOvr>
-  <mc:AlternateContent xmlns:mc="http://schemas.openxmlformats.org/markup-compatibility/2006">
-    <mc:Choice xmlns:p159="http://schemas.microsoft.com/office/powerpoint/2015/09/main" Requires="p159">
+  <mc:AlternateContent xmlns:mc="http://schemas.openxmlformats.org/markup-compatibility/2006" xmlns:p159="http://schemas.microsoft.com/office/powerpoint/2015/09/main">
+    <mc:Choice Requires="p159">
       <p:transition xmlns:p14="http://schemas.microsoft.com/office/powerpoint/2010/main" spd="slow" p14:dur="2000">
         <p159:morph option="byObject"/>
       </p:transition>
     </mc:Choice>
-    <mc:Fallback>
+    <mc:Fallback xmlns="">
       <p:transition spd="slow">
         <p:fade/>
       </p:transition>
@@ -3867,7 +3868,7 @@
         </p:blipFill>
         <p:spPr>
           <a:xfrm>
-            <a:off x="-4832252" y="879524"/>
+            <a:off x="-4600526" y="1873313"/>
             <a:ext cx="4832252" cy="4832252"/>
           </a:xfrm>
           <a:prstGeom prst="rect">
@@ -4017,13 +4018,13 @@
   <p:clrMapOvr>
     <a:masterClrMapping/>
   </p:clrMapOvr>
-  <mc:AlternateContent xmlns:mc="http://schemas.openxmlformats.org/markup-compatibility/2006">
-    <mc:Choice xmlns:p159="http://schemas.microsoft.com/office/powerpoint/2015/09/main" Requires="p159">
+  <mc:AlternateContent xmlns:mc="http://schemas.openxmlformats.org/markup-compatibility/2006" xmlns:p159="http://schemas.microsoft.com/office/powerpoint/2015/09/main">
+    <mc:Choice Requires="p159">
       <p:transition xmlns:p14="http://schemas.microsoft.com/office/powerpoint/2010/main" spd="slow" p14:dur="2000">
         <p159:morph option="byObject"/>
       </p:transition>
     </mc:Choice>
-    <mc:Fallback>
+    <mc:Fallback xmlns="">
       <p:transition spd="slow">
         <p:fade/>
       </p:transition>
@@ -4227,7 +4228,7 @@
         </p:blipFill>
         <p:spPr>
           <a:xfrm rot="2539815">
-            <a:off x="2463854" y="-704426"/>
+            <a:off x="2654354" y="-704426"/>
             <a:ext cx="10877346" cy="7962051"/>
           </a:xfrm>
           <a:prstGeom prst="rect">
@@ -4433,13 +4434,13 @@
   <p:clrMapOvr>
     <a:masterClrMapping/>
   </p:clrMapOvr>
-  <mc:AlternateContent xmlns:mc="http://schemas.openxmlformats.org/markup-compatibility/2006">
-    <mc:Choice xmlns:p159="http://schemas.microsoft.com/office/powerpoint/2015/09/main" Requires="p159">
+  <mc:AlternateContent xmlns:mc="http://schemas.openxmlformats.org/markup-compatibility/2006" xmlns:p159="http://schemas.microsoft.com/office/powerpoint/2015/09/main">
+    <mc:Choice Requires="p159">
       <p:transition xmlns:p14="http://schemas.microsoft.com/office/powerpoint/2010/main" spd="slow" p14:dur="2000">
         <p159:morph option="byObject"/>
       </p:transition>
     </mc:Choice>
-    <mc:Fallback>
+    <mc:Fallback xmlns="">
       <p:transition spd="slow">
         <p:fade/>
       </p:transition>
@@ -4643,7 +4644,7 @@
         </p:blipFill>
         <p:spPr>
           <a:xfrm rot="2539815">
-            <a:off x="2463854" y="-704426"/>
+            <a:off x="2654354" y="-704426"/>
             <a:ext cx="10877346" cy="7962051"/>
           </a:xfrm>
           <a:prstGeom prst="rect">
@@ -4750,6 +4751,225 @@
           </a:p>
         </p:txBody>
       </p:sp>
+      <p:sp>
+        <p:nvSpPr>
+          <p:cNvPr id="8" name="TextBox 7">
+            <a:extLst>
+              <a:ext uri="{FF2B5EF4-FFF2-40B4-BE49-F238E27FC236}">
+                <a16:creationId xmlns:a16="http://schemas.microsoft.com/office/drawing/2014/main" id="{A1E6D428-4FE3-47B9-81E0-F04F75DB6B5A}"/>
+              </a:ext>
+            </a:extLst>
+          </p:cNvPr>
+          <p:cNvSpPr txBox="1"/>
+          <p:nvPr/>
+        </p:nvSpPr>
+        <p:spPr>
+          <a:xfrm>
+            <a:off x="5896782" y="-946949"/>
+            <a:ext cx="4277032" cy="707886"/>
+          </a:xfrm>
+          <a:prstGeom prst="rect">
+            <a:avLst/>
+          </a:prstGeom>
+          <a:noFill/>
+        </p:spPr>
+        <p:txBody>
+          <a:bodyPr wrap="square" rtlCol="0">
+            <a:spAutoFit/>
+          </a:bodyPr>
+          <a:lstStyle/>
+          <a:p>
+            <a:r>
+              <a:rPr lang="en-IN" sz="4000" dirty="0">
+                <a:latin typeface="Poppins Black" panose="00000A00000000000000" pitchFamily="2" charset="0"/>
+                <a:cs typeface="Poppins Black" panose="00000A00000000000000" pitchFamily="2" charset="0"/>
+              </a:rPr>
+              <a:t>KEY FEATURES</a:t>
+            </a:r>
+          </a:p>
+        </p:txBody>
+      </p:sp>
+      <p:sp>
+        <p:nvSpPr>
+          <p:cNvPr id="11" name="TextBox 10">
+            <a:extLst>
+              <a:ext uri="{FF2B5EF4-FFF2-40B4-BE49-F238E27FC236}">
+                <a16:creationId xmlns:a16="http://schemas.microsoft.com/office/drawing/2014/main" id="{102B5B29-0702-4C8C-B0E1-4A7C33B45B6A}"/>
+              </a:ext>
+            </a:extLst>
+          </p:cNvPr>
+          <p:cNvSpPr txBox="1"/>
+          <p:nvPr/>
+        </p:nvSpPr>
+        <p:spPr>
+          <a:xfrm>
+            <a:off x="14794540" y="1184283"/>
+            <a:ext cx="5680791" cy="4489434"/>
+          </a:xfrm>
+          <a:prstGeom prst="rect">
+            <a:avLst/>
+          </a:prstGeom>
+          <a:noFill/>
+        </p:spPr>
+        <p:txBody>
+          <a:bodyPr wrap="square" rtlCol="0">
+            <a:spAutoFit/>
+          </a:bodyPr>
+          <a:lstStyle/>
+          <a:p>
+            <a:pPr marL="285750" indent="-285750" algn="just">
+              <a:lnSpc>
+                <a:spcPct val="150000"/>
+              </a:lnSpc>
+              <a:buFont typeface="Arial" panose="020B0604020202020204" pitchFamily="34" charset="0"/>
+              <a:buChar char="•"/>
+            </a:pPr>
+            <a:r>
+              <a:rPr lang="en-US" sz="1600" dirty="0">
+                <a:latin typeface="Poppins Medium" panose="00000600000000000000" pitchFamily="2" charset="0"/>
+                <a:cs typeface="Poppins Medium" panose="00000600000000000000" pitchFamily="2" charset="0"/>
+              </a:rPr>
+              <a:t>User reviews and ratings for restaurants</a:t>
+            </a:r>
+          </a:p>
+          <a:p>
+            <a:pPr marL="285750" indent="-285750" algn="just">
+              <a:lnSpc>
+                <a:spcPct val="150000"/>
+              </a:lnSpc>
+              <a:buFont typeface="Arial" panose="020B0604020202020204" pitchFamily="34" charset="0"/>
+              <a:buChar char="•"/>
+            </a:pPr>
+            <a:r>
+              <a:rPr lang="en-US" sz="1600" dirty="0">
+                <a:latin typeface="Poppins Medium" panose="00000600000000000000" pitchFamily="2" charset="0"/>
+                <a:cs typeface="Poppins Medium" panose="00000600000000000000" pitchFamily="2" charset="0"/>
+              </a:rPr>
+              <a:t>Detailed restaurant information, including contact details and address</a:t>
+            </a:r>
+          </a:p>
+          <a:p>
+            <a:pPr marL="285750" indent="-285750" algn="just">
+              <a:lnSpc>
+                <a:spcPct val="150000"/>
+              </a:lnSpc>
+              <a:buFont typeface="Arial" panose="020B0604020202020204" pitchFamily="34" charset="0"/>
+              <a:buChar char="•"/>
+            </a:pPr>
+            <a:r>
+              <a:rPr lang="en-US" sz="1600" dirty="0">
+                <a:latin typeface="Poppins Medium" panose="00000600000000000000" pitchFamily="2" charset="0"/>
+                <a:cs typeface="Poppins Medium" panose="00000600000000000000" pitchFamily="2" charset="0"/>
+              </a:rPr>
+              <a:t>Personalized favorites list for easy reference</a:t>
+            </a:r>
+          </a:p>
+          <a:p>
+            <a:pPr marL="285750" indent="-285750" algn="just">
+              <a:lnSpc>
+                <a:spcPct val="150000"/>
+              </a:lnSpc>
+              <a:buFont typeface="Arial" panose="020B0604020202020204" pitchFamily="34" charset="0"/>
+              <a:buChar char="•"/>
+            </a:pPr>
+            <a:r>
+              <a:rPr lang="en-US" sz="1600" dirty="0">
+                <a:latin typeface="Poppins Medium" panose="00000600000000000000" pitchFamily="2" charset="0"/>
+                <a:cs typeface="Poppins Medium" panose="00000600000000000000" pitchFamily="2" charset="0"/>
+              </a:rPr>
+              <a:t>"Drops" feature for users to upload and share food vlog videos</a:t>
+            </a:r>
+          </a:p>
+          <a:p>
+            <a:pPr marL="285750" indent="-285750" algn="just">
+              <a:lnSpc>
+                <a:spcPct val="150000"/>
+              </a:lnSpc>
+              <a:buFont typeface="Arial" panose="020B0604020202020204" pitchFamily="34" charset="0"/>
+              <a:buChar char="•"/>
+            </a:pPr>
+            <a:r>
+              <a:rPr lang="en-US" sz="1600" dirty="0">
+                <a:latin typeface="Poppins Medium" panose="00000600000000000000" pitchFamily="2" charset="0"/>
+                <a:cs typeface="Poppins Medium" panose="00000600000000000000" pitchFamily="2" charset="0"/>
+              </a:rPr>
+              <a:t>Restaurant submission feature for users to suggest new restaurants</a:t>
+            </a:r>
+          </a:p>
+          <a:p>
+            <a:pPr marL="285750" indent="-285750" algn="just">
+              <a:lnSpc>
+                <a:spcPct val="150000"/>
+              </a:lnSpc>
+              <a:buFont typeface="Arial" panose="020B0604020202020204" pitchFamily="34" charset="0"/>
+              <a:buChar char="•"/>
+            </a:pPr>
+            <a:r>
+              <a:rPr lang="en-US" sz="1600" dirty="0">
+                <a:latin typeface="Poppins Medium" panose="00000600000000000000" pitchFamily="2" charset="0"/>
+                <a:cs typeface="Poppins Medium" panose="00000600000000000000" pitchFamily="2" charset="0"/>
+              </a:rPr>
+              <a:t>Admin panel for managing restaurant information and review user submitted suggestions</a:t>
+            </a:r>
+          </a:p>
+          <a:p>
+            <a:pPr marL="285750" indent="-285750" algn="just">
+              <a:lnSpc>
+                <a:spcPct val="150000"/>
+              </a:lnSpc>
+              <a:buFont typeface="Arial" panose="020B0604020202020204" pitchFamily="34" charset="0"/>
+              <a:buChar char="•"/>
+            </a:pPr>
+            <a:r>
+              <a:rPr lang="en-US" sz="1600" dirty="0">
+                <a:latin typeface="Poppins Medium" panose="00000600000000000000" pitchFamily="2" charset="0"/>
+                <a:cs typeface="Poppins Medium" panose="00000600000000000000" pitchFamily="2" charset="0"/>
+              </a:rPr>
+              <a:t>Mobile-friendly platform for easy access on-the-go</a:t>
+            </a:r>
+            <a:endParaRPr lang="en-IN" sz="1600" dirty="0">
+              <a:latin typeface="Poppins Medium" panose="00000600000000000000" pitchFamily="2" charset="0"/>
+              <a:cs typeface="Poppins Medium" panose="00000600000000000000" pitchFamily="2" charset="0"/>
+            </a:endParaRPr>
+          </a:p>
+        </p:txBody>
+      </p:sp>
+      <p:pic>
+        <p:nvPicPr>
+          <p:cNvPr id="12" name="Picture 11">
+            <a:extLst>
+              <a:ext uri="{FF2B5EF4-FFF2-40B4-BE49-F238E27FC236}">
+                <a16:creationId xmlns:a16="http://schemas.microsoft.com/office/drawing/2014/main" id="{1368626E-A55E-4E9F-87A5-2E01D0FBA750}"/>
+              </a:ext>
+            </a:extLst>
+          </p:cNvPr>
+          <p:cNvPicPr>
+            <a:picLocks noChangeAspect="1"/>
+          </p:cNvPicPr>
+          <p:nvPr/>
+        </p:nvPicPr>
+        <p:blipFill>
+          <a:blip r:embed="rId4">
+            <a:extLst>
+              <a:ext uri="{28A0092B-C50C-407E-A947-70E740481C1C}">
+                <a14:useLocalDpi xmlns:a14="http://schemas.microsoft.com/office/drawing/2010/main" val="0"/>
+              </a:ext>
+            </a:extLst>
+          </a:blip>
+          <a:stretch>
+            <a:fillRect/>
+          </a:stretch>
+        </p:blipFill>
+        <p:spPr>
+          <a:xfrm>
+            <a:off x="-5764606" y="1354215"/>
+            <a:ext cx="5164099" cy="4489433"/>
+          </a:xfrm>
+          <a:prstGeom prst="rect">
+            <a:avLst/>
+          </a:prstGeom>
+        </p:spPr>
+      </p:pic>
     </p:spTree>
     <p:extLst>
       <p:ext uri="{BB962C8B-B14F-4D97-AF65-F5344CB8AC3E}">
@@ -4760,13 +4980,13 @@
   <p:clrMapOvr>
     <a:masterClrMapping/>
   </p:clrMapOvr>
-  <mc:AlternateContent xmlns:mc="http://schemas.openxmlformats.org/markup-compatibility/2006">
-    <mc:Choice xmlns:p159="http://schemas.microsoft.com/office/powerpoint/2015/09/main" Requires="p159">
+  <mc:AlternateContent xmlns:mc="http://schemas.openxmlformats.org/markup-compatibility/2006" xmlns:p159="http://schemas.microsoft.com/office/powerpoint/2015/09/main">
+    <mc:Choice Requires="p159">
       <p:transition xmlns:p14="http://schemas.microsoft.com/office/powerpoint/2010/main" spd="slow" p14:dur="2000">
         <p159:morph option="byObject"/>
       </p:transition>
     </mc:Choice>
-    <mc:Fallback>
+    <mc:Fallback xmlns="">
       <p:transition spd="slow">
         <p:fade/>
       </p:transition>
@@ -4934,7 +5154,7 @@
         </p:blipFill>
         <p:spPr>
           <a:xfrm>
-            <a:off x="0" y="2025748"/>
+            <a:off x="-5496102" y="2025748"/>
             <a:ext cx="4832252" cy="4832252"/>
           </a:xfrm>
           <a:prstGeom prst="rect">
@@ -4970,7 +5190,7 @@
         </p:blipFill>
         <p:spPr>
           <a:xfrm rot="2539815">
-            <a:off x="2463854" y="-704426"/>
+            <a:off x="2654354" y="-704426"/>
             <a:ext cx="10877346" cy="7962051"/>
           </a:xfrm>
           <a:prstGeom prst="rect">
@@ -5077,10 +5297,815 @@
           </a:p>
         </p:txBody>
       </p:sp>
+      <p:sp>
+        <p:nvSpPr>
+          <p:cNvPr id="10" name="TextBox 9">
+            <a:extLst>
+              <a:ext uri="{FF2B5EF4-FFF2-40B4-BE49-F238E27FC236}">
+                <a16:creationId xmlns:a16="http://schemas.microsoft.com/office/drawing/2014/main" id="{A48A13DC-5040-4F33-9608-6D396E96AAE3}"/>
+              </a:ext>
+            </a:extLst>
+          </p:cNvPr>
+          <p:cNvSpPr txBox="1"/>
+          <p:nvPr/>
+        </p:nvSpPr>
+        <p:spPr>
+          <a:xfrm>
+            <a:off x="5764011" y="558262"/>
+            <a:ext cx="4277032" cy="707886"/>
+          </a:xfrm>
+          <a:prstGeom prst="rect">
+            <a:avLst/>
+          </a:prstGeom>
+          <a:noFill/>
+        </p:spPr>
+        <p:txBody>
+          <a:bodyPr wrap="square" rtlCol="0">
+            <a:spAutoFit/>
+          </a:bodyPr>
+          <a:lstStyle/>
+          <a:p>
+            <a:r>
+              <a:rPr lang="en-IN" sz="4000" dirty="0">
+                <a:latin typeface="Poppins Black" panose="00000A00000000000000" pitchFamily="2" charset="0"/>
+                <a:cs typeface="Poppins Black" panose="00000A00000000000000" pitchFamily="2" charset="0"/>
+              </a:rPr>
+              <a:t>KEY FEATURES</a:t>
+            </a:r>
+          </a:p>
+        </p:txBody>
+      </p:sp>
+      <p:sp>
+        <p:nvSpPr>
+          <p:cNvPr id="11" name="TextBox 10">
+            <a:extLst>
+              <a:ext uri="{FF2B5EF4-FFF2-40B4-BE49-F238E27FC236}">
+                <a16:creationId xmlns:a16="http://schemas.microsoft.com/office/drawing/2014/main" id="{5FD722A6-0C81-4FE0-8030-05CD00353DFE}"/>
+              </a:ext>
+            </a:extLst>
+          </p:cNvPr>
+          <p:cNvSpPr txBox="1"/>
+          <p:nvPr/>
+        </p:nvSpPr>
+        <p:spPr>
+          <a:xfrm>
+            <a:off x="6148351" y="1287084"/>
+            <a:ext cx="5680791" cy="4489434"/>
+          </a:xfrm>
+          <a:prstGeom prst="rect">
+            <a:avLst/>
+          </a:prstGeom>
+          <a:noFill/>
+        </p:spPr>
+        <p:txBody>
+          <a:bodyPr wrap="square" rtlCol="0">
+            <a:spAutoFit/>
+          </a:bodyPr>
+          <a:lstStyle/>
+          <a:p>
+            <a:pPr marL="285750" indent="-285750" algn="just">
+              <a:lnSpc>
+                <a:spcPct val="150000"/>
+              </a:lnSpc>
+              <a:buFont typeface="Arial" panose="020B0604020202020204" pitchFamily="34" charset="0"/>
+              <a:buChar char="•"/>
+            </a:pPr>
+            <a:r>
+              <a:rPr lang="en-US" sz="1600" dirty="0">
+                <a:latin typeface="Poppins Medium" panose="00000600000000000000" pitchFamily="2" charset="0"/>
+                <a:cs typeface="Poppins Medium" panose="00000600000000000000" pitchFamily="2" charset="0"/>
+              </a:rPr>
+              <a:t>User reviews and ratings for restaurants</a:t>
+            </a:r>
+          </a:p>
+          <a:p>
+            <a:pPr marL="285750" indent="-285750" algn="just">
+              <a:lnSpc>
+                <a:spcPct val="150000"/>
+              </a:lnSpc>
+              <a:buFont typeface="Arial" panose="020B0604020202020204" pitchFamily="34" charset="0"/>
+              <a:buChar char="•"/>
+            </a:pPr>
+            <a:r>
+              <a:rPr lang="en-US" sz="1600" dirty="0">
+                <a:latin typeface="Poppins Medium" panose="00000600000000000000" pitchFamily="2" charset="0"/>
+                <a:cs typeface="Poppins Medium" panose="00000600000000000000" pitchFamily="2" charset="0"/>
+              </a:rPr>
+              <a:t>Detailed restaurant information, including contact details and address</a:t>
+            </a:r>
+          </a:p>
+          <a:p>
+            <a:pPr marL="285750" indent="-285750" algn="just">
+              <a:lnSpc>
+                <a:spcPct val="150000"/>
+              </a:lnSpc>
+              <a:buFont typeface="Arial" panose="020B0604020202020204" pitchFamily="34" charset="0"/>
+              <a:buChar char="•"/>
+            </a:pPr>
+            <a:r>
+              <a:rPr lang="en-US" sz="1600" dirty="0">
+                <a:latin typeface="Poppins Medium" panose="00000600000000000000" pitchFamily="2" charset="0"/>
+                <a:cs typeface="Poppins Medium" panose="00000600000000000000" pitchFamily="2" charset="0"/>
+              </a:rPr>
+              <a:t>Personalized favorites list for easy reference</a:t>
+            </a:r>
+          </a:p>
+          <a:p>
+            <a:pPr marL="285750" indent="-285750" algn="just">
+              <a:lnSpc>
+                <a:spcPct val="150000"/>
+              </a:lnSpc>
+              <a:buFont typeface="Arial" panose="020B0604020202020204" pitchFamily="34" charset="0"/>
+              <a:buChar char="•"/>
+            </a:pPr>
+            <a:r>
+              <a:rPr lang="en-US" sz="1600" dirty="0">
+                <a:latin typeface="Poppins Medium" panose="00000600000000000000" pitchFamily="2" charset="0"/>
+                <a:cs typeface="Poppins Medium" panose="00000600000000000000" pitchFamily="2" charset="0"/>
+              </a:rPr>
+              <a:t>"Drops" feature for users to upload and share food vlog videos</a:t>
+            </a:r>
+          </a:p>
+          <a:p>
+            <a:pPr marL="285750" indent="-285750" algn="just">
+              <a:lnSpc>
+                <a:spcPct val="150000"/>
+              </a:lnSpc>
+              <a:buFont typeface="Arial" panose="020B0604020202020204" pitchFamily="34" charset="0"/>
+              <a:buChar char="•"/>
+            </a:pPr>
+            <a:r>
+              <a:rPr lang="en-US" sz="1600" dirty="0">
+                <a:latin typeface="Poppins Medium" panose="00000600000000000000" pitchFamily="2" charset="0"/>
+                <a:cs typeface="Poppins Medium" panose="00000600000000000000" pitchFamily="2" charset="0"/>
+              </a:rPr>
+              <a:t>Restaurant submission feature for users to suggest new restaurants</a:t>
+            </a:r>
+          </a:p>
+          <a:p>
+            <a:pPr marL="285750" indent="-285750" algn="just">
+              <a:lnSpc>
+                <a:spcPct val="150000"/>
+              </a:lnSpc>
+              <a:buFont typeface="Arial" panose="020B0604020202020204" pitchFamily="34" charset="0"/>
+              <a:buChar char="•"/>
+            </a:pPr>
+            <a:r>
+              <a:rPr lang="en-US" sz="1600" dirty="0">
+                <a:latin typeface="Poppins Medium" panose="00000600000000000000" pitchFamily="2" charset="0"/>
+                <a:cs typeface="Poppins Medium" panose="00000600000000000000" pitchFamily="2" charset="0"/>
+              </a:rPr>
+              <a:t>Admin panel for managing restaurant information and review user submitted suggestions</a:t>
+            </a:r>
+          </a:p>
+          <a:p>
+            <a:pPr marL="285750" indent="-285750" algn="just">
+              <a:lnSpc>
+                <a:spcPct val="150000"/>
+              </a:lnSpc>
+              <a:buFont typeface="Arial" panose="020B0604020202020204" pitchFamily="34" charset="0"/>
+              <a:buChar char="•"/>
+            </a:pPr>
+            <a:r>
+              <a:rPr lang="en-US" sz="1600" dirty="0">
+                <a:latin typeface="Poppins Medium" panose="00000600000000000000" pitchFamily="2" charset="0"/>
+                <a:cs typeface="Poppins Medium" panose="00000600000000000000" pitchFamily="2" charset="0"/>
+              </a:rPr>
+              <a:t>Mobile-friendly platform for easy access on-the-go</a:t>
+            </a:r>
+            <a:endParaRPr lang="en-IN" sz="1600" dirty="0">
+              <a:latin typeface="Poppins Medium" panose="00000600000000000000" pitchFamily="2" charset="0"/>
+              <a:cs typeface="Poppins Medium" panose="00000600000000000000" pitchFamily="2" charset="0"/>
+            </a:endParaRPr>
+          </a:p>
+        </p:txBody>
+      </p:sp>
+      <p:pic>
+        <p:nvPicPr>
+          <p:cNvPr id="8" name="Picture 7">
+            <a:extLst>
+              <a:ext uri="{FF2B5EF4-FFF2-40B4-BE49-F238E27FC236}">
+                <a16:creationId xmlns:a16="http://schemas.microsoft.com/office/drawing/2014/main" id="{FC22FF1D-1D30-45C1-A18D-C6B91ACFF4C3}"/>
+              </a:ext>
+            </a:extLst>
+          </p:cNvPr>
+          <p:cNvPicPr>
+            <a:picLocks noChangeAspect="1"/>
+          </p:cNvPicPr>
+          <p:nvPr/>
+        </p:nvPicPr>
+        <p:blipFill>
+          <a:blip r:embed="rId4">
+            <a:extLst>
+              <a:ext uri="{28A0092B-C50C-407E-A947-70E740481C1C}">
+                <a14:useLocalDpi xmlns:a14="http://schemas.microsoft.com/office/drawing/2010/main" val="0"/>
+              </a:ext>
+            </a:extLst>
+          </a:blip>
+          <a:stretch>
+            <a:fillRect/>
+          </a:stretch>
+        </p:blipFill>
+        <p:spPr>
+          <a:xfrm>
+            <a:off x="320402" y="1481830"/>
+            <a:ext cx="5164099" cy="4489433"/>
+          </a:xfrm>
+          <a:prstGeom prst="rect">
+            <a:avLst/>
+          </a:prstGeom>
+        </p:spPr>
+      </p:pic>
+      <p:pic>
+        <p:nvPicPr>
+          <p:cNvPr id="16" name="Picture 15">
+            <a:extLst>
+              <a:ext uri="{FF2B5EF4-FFF2-40B4-BE49-F238E27FC236}">
+                <a16:creationId xmlns:a16="http://schemas.microsoft.com/office/drawing/2014/main" id="{F6DE9DC1-3CAC-4DDB-8F27-586F5E1FEAC3}"/>
+              </a:ext>
+            </a:extLst>
+          </p:cNvPr>
+          <p:cNvPicPr>
+            <a:picLocks noChangeAspect="1"/>
+          </p:cNvPicPr>
+          <p:nvPr/>
+        </p:nvPicPr>
+        <p:blipFill>
+          <a:blip r:embed="rId5">
+            <a:extLst>
+              <a:ext uri="{28A0092B-C50C-407E-A947-70E740481C1C}">
+                <a14:useLocalDpi xmlns:a14="http://schemas.microsoft.com/office/drawing/2010/main" val="0"/>
+              </a:ext>
+            </a:extLst>
+          </a:blip>
+          <a:stretch>
+            <a:fillRect/>
+          </a:stretch>
+        </p:blipFill>
+        <p:spPr>
+          <a:xfrm>
+            <a:off x="-5945733" y="912205"/>
+            <a:ext cx="6348997" cy="6348997"/>
+          </a:xfrm>
+          <a:prstGeom prst="rect">
+            <a:avLst/>
+          </a:prstGeom>
+        </p:spPr>
+      </p:pic>
     </p:spTree>
     <p:extLst>
       <p:ext uri="{BB962C8B-B14F-4D97-AF65-F5344CB8AC3E}">
         <p14:creationId xmlns:p14="http://schemas.microsoft.com/office/powerpoint/2010/main" val="3264906694"/>
+      </p:ext>
+    </p:extLst>
+  </p:cSld>
+  <p:clrMapOvr>
+    <a:masterClrMapping/>
+  </p:clrMapOvr>
+  <mc:AlternateContent xmlns:mc="http://schemas.openxmlformats.org/markup-compatibility/2006" xmlns:p159="http://schemas.microsoft.com/office/powerpoint/2015/09/main">
+    <mc:Choice Requires="p159">
+      <p:transition xmlns:p14="http://schemas.microsoft.com/office/powerpoint/2010/main" spd="slow" p14:dur="2000">
+        <p159:morph option="byObject"/>
+      </p:transition>
+    </mc:Choice>
+    <mc:Fallback xmlns="">
+      <p:transition spd="slow">
+        <p:fade/>
+      </p:transition>
+    </mc:Fallback>
+  </mc:AlternateContent>
+</p:sld>
+</file>
+
+<file path=ppt/slides/slide6.xml><?xml version="1.0" encoding="utf-8"?>
+<p:sld xmlns:a="http://schemas.openxmlformats.org/drawingml/2006/main" xmlns:r="http://schemas.openxmlformats.org/officeDocument/2006/relationships" xmlns:p="http://schemas.openxmlformats.org/presentationml/2006/main">
+  <p:cSld>
+    <p:spTree>
+      <p:nvGrpSpPr>
+        <p:cNvPr id="1" name=""/>
+        <p:cNvGrpSpPr/>
+        <p:nvPr/>
+      </p:nvGrpSpPr>
+      <p:grpSpPr>
+        <a:xfrm>
+          <a:off x="0" y="0"/>
+          <a:ext cx="0" cy="0"/>
+          <a:chOff x="0" y="0"/>
+          <a:chExt cx="0" cy="0"/>
+        </a:xfrm>
+      </p:grpSpPr>
+      <p:sp>
+        <p:nvSpPr>
+          <p:cNvPr id="6" name="Rectangle 5">
+            <a:extLst>
+              <a:ext uri="{FF2B5EF4-FFF2-40B4-BE49-F238E27FC236}">
+                <a16:creationId xmlns:a16="http://schemas.microsoft.com/office/drawing/2014/main" id="{8C2E8892-12E6-4AF8-9C5C-A661EBBF45EE}"/>
+              </a:ext>
+            </a:extLst>
+          </p:cNvPr>
+          <p:cNvSpPr/>
+          <p:nvPr/>
+        </p:nvSpPr>
+        <p:spPr>
+          <a:xfrm>
+            <a:off x="0" y="0"/>
+            <a:ext cx="12192000" cy="6858000"/>
+          </a:xfrm>
+          <a:prstGeom prst="rect">
+            <a:avLst/>
+          </a:prstGeom>
+          <a:solidFill>
+            <a:srgbClr val="0156ED"/>
+          </a:solidFill>
+          <a:ln>
+            <a:noFill/>
+          </a:ln>
+          <a:effectLst>
+            <a:innerShdw blurRad="114300">
+              <a:schemeClr val="bg1"/>
+            </a:innerShdw>
+          </a:effectLst>
+        </p:spPr>
+        <p:style>
+          <a:lnRef idx="2">
+            <a:schemeClr val="accent1">
+              <a:shade val="50000"/>
+            </a:schemeClr>
+          </a:lnRef>
+          <a:fillRef idx="1">
+            <a:schemeClr val="accent1"/>
+          </a:fillRef>
+          <a:effectRef idx="0">
+            <a:schemeClr val="accent1"/>
+          </a:effectRef>
+          <a:fontRef idx="minor">
+            <a:schemeClr val="lt1"/>
+          </a:fontRef>
+        </p:style>
+        <p:txBody>
+          <a:bodyPr rtlCol="0" anchor="ctr"/>
+          <a:lstStyle/>
+          <a:p>
+            <a:pPr algn="ctr"/>
+            <a:endParaRPr lang="en-IN" dirty="0"/>
+          </a:p>
+        </p:txBody>
+      </p:sp>
+      <p:sp>
+        <p:nvSpPr>
+          <p:cNvPr id="2" name="TextBox 1">
+            <a:extLst>
+              <a:ext uri="{FF2B5EF4-FFF2-40B4-BE49-F238E27FC236}">
+                <a16:creationId xmlns:a16="http://schemas.microsoft.com/office/drawing/2014/main" id="{B60848EA-B8C1-49FF-A271-E2258A67EFE3}"/>
+              </a:ext>
+            </a:extLst>
+          </p:cNvPr>
+          <p:cNvSpPr txBox="1"/>
+          <p:nvPr/>
+        </p:nvSpPr>
+        <p:spPr>
+          <a:xfrm>
+            <a:off x="0" y="-2"/>
+            <a:ext cx="2011680" cy="646331"/>
+          </a:xfrm>
+          <a:prstGeom prst="rect">
+            <a:avLst/>
+          </a:prstGeom>
+          <a:noFill/>
+          <a:effectLst>
+            <a:outerShdw blurRad="50800" dist="76200" dir="4080000" algn="t" rotWithShape="0">
+              <a:prstClr val="black">
+                <a:alpha val="40000"/>
+              </a:prstClr>
+            </a:outerShdw>
+          </a:effectLst>
+        </p:spPr>
+        <p:txBody>
+          <a:bodyPr wrap="square" rtlCol="0">
+            <a:spAutoFit/>
+          </a:bodyPr>
+          <a:lstStyle/>
+          <a:p>
+            <a:pPr algn="ctr"/>
+            <a:r>
+              <a:rPr lang="en-US" sz="3600" dirty="0">
+                <a:solidFill>
+                  <a:schemeClr val="bg1"/>
+                </a:solidFill>
+                <a:latin typeface="Coolvetica Rg" panose="020B0603030602020004" pitchFamily="34" charset="0"/>
+              </a:rPr>
+              <a:t>eat</a:t>
+            </a:r>
+            <a:r>
+              <a:rPr lang="en-US" sz="3600" dirty="0">
+                <a:solidFill>
+                  <a:srgbClr val="FFFF00"/>
+                </a:solidFill>
+                <a:latin typeface="Coolvetica Rg" panose="020B0603030602020004" pitchFamily="34" charset="0"/>
+              </a:rPr>
+              <a:t>ables</a:t>
+            </a:r>
+          </a:p>
+        </p:txBody>
+      </p:sp>
+      <p:pic>
+        <p:nvPicPr>
+          <p:cNvPr id="13" name="Picture 12">
+            <a:extLst>
+              <a:ext uri="{FF2B5EF4-FFF2-40B4-BE49-F238E27FC236}">
+                <a16:creationId xmlns:a16="http://schemas.microsoft.com/office/drawing/2014/main" id="{40211F06-06ED-4267-9C4B-9F398F365DB8}"/>
+              </a:ext>
+            </a:extLst>
+          </p:cNvPr>
+          <p:cNvPicPr>
+            <a:picLocks noChangeAspect="1"/>
+          </p:cNvPicPr>
+          <p:nvPr/>
+        </p:nvPicPr>
+        <p:blipFill>
+          <a:blip r:embed="rId2">
+            <a:extLst>
+              <a:ext uri="{28A0092B-C50C-407E-A947-70E740481C1C}">
+                <a14:useLocalDpi xmlns:a14="http://schemas.microsoft.com/office/drawing/2010/main" val="0"/>
+              </a:ext>
+            </a:extLst>
+          </a:blip>
+          <a:stretch>
+            <a:fillRect/>
+          </a:stretch>
+        </p:blipFill>
+        <p:spPr>
+          <a:xfrm rot="2539815">
+            <a:off x="2654354" y="-704426"/>
+            <a:ext cx="10877346" cy="7962051"/>
+          </a:xfrm>
+          <a:prstGeom prst="rect">
+            <a:avLst/>
+          </a:prstGeom>
+        </p:spPr>
+      </p:pic>
+      <p:sp>
+        <p:nvSpPr>
+          <p:cNvPr id="10" name="TextBox 9">
+            <a:extLst>
+              <a:ext uri="{FF2B5EF4-FFF2-40B4-BE49-F238E27FC236}">
+                <a16:creationId xmlns:a16="http://schemas.microsoft.com/office/drawing/2014/main" id="{A48A13DC-5040-4F33-9608-6D396E96AAE3}"/>
+              </a:ext>
+            </a:extLst>
+          </p:cNvPr>
+          <p:cNvSpPr txBox="1"/>
+          <p:nvPr/>
+        </p:nvSpPr>
+        <p:spPr>
+          <a:xfrm>
+            <a:off x="5646024" y="-1376450"/>
+            <a:ext cx="4277032" cy="707886"/>
+          </a:xfrm>
+          <a:prstGeom prst="rect">
+            <a:avLst/>
+          </a:prstGeom>
+          <a:noFill/>
+        </p:spPr>
+        <p:txBody>
+          <a:bodyPr wrap="square" rtlCol="0">
+            <a:spAutoFit/>
+          </a:bodyPr>
+          <a:lstStyle/>
+          <a:p>
+            <a:r>
+              <a:rPr lang="en-IN" sz="4000" dirty="0">
+                <a:latin typeface="Poppins Black" panose="00000A00000000000000" pitchFamily="2" charset="0"/>
+                <a:cs typeface="Poppins Black" panose="00000A00000000000000" pitchFamily="2" charset="0"/>
+              </a:rPr>
+              <a:t>KEY FEATURES</a:t>
+            </a:r>
+          </a:p>
+        </p:txBody>
+      </p:sp>
+      <p:sp>
+        <p:nvSpPr>
+          <p:cNvPr id="11" name="TextBox 10">
+            <a:extLst>
+              <a:ext uri="{FF2B5EF4-FFF2-40B4-BE49-F238E27FC236}">
+                <a16:creationId xmlns:a16="http://schemas.microsoft.com/office/drawing/2014/main" id="{5FD722A6-0C81-4FE0-8030-05CD00353DFE}"/>
+              </a:ext>
+            </a:extLst>
+          </p:cNvPr>
+          <p:cNvSpPr txBox="1"/>
+          <p:nvPr/>
+        </p:nvSpPr>
+        <p:spPr>
+          <a:xfrm>
+            <a:off x="14023989" y="1511325"/>
+            <a:ext cx="5680791" cy="4489434"/>
+          </a:xfrm>
+          <a:prstGeom prst="rect">
+            <a:avLst/>
+          </a:prstGeom>
+          <a:noFill/>
+        </p:spPr>
+        <p:txBody>
+          <a:bodyPr wrap="square" rtlCol="0">
+            <a:spAutoFit/>
+          </a:bodyPr>
+          <a:lstStyle/>
+          <a:p>
+            <a:pPr marL="285750" indent="-285750" algn="just">
+              <a:lnSpc>
+                <a:spcPct val="150000"/>
+              </a:lnSpc>
+              <a:buFont typeface="Arial" panose="020B0604020202020204" pitchFamily="34" charset="0"/>
+              <a:buChar char="•"/>
+            </a:pPr>
+            <a:r>
+              <a:rPr lang="en-US" sz="1600" dirty="0">
+                <a:latin typeface="Poppins Medium" panose="00000600000000000000" pitchFamily="2" charset="0"/>
+                <a:cs typeface="Poppins Medium" panose="00000600000000000000" pitchFamily="2" charset="0"/>
+              </a:rPr>
+              <a:t>User reviews and ratings for restaurants</a:t>
+            </a:r>
+          </a:p>
+          <a:p>
+            <a:pPr marL="285750" indent="-285750" algn="just">
+              <a:lnSpc>
+                <a:spcPct val="150000"/>
+              </a:lnSpc>
+              <a:buFont typeface="Arial" panose="020B0604020202020204" pitchFamily="34" charset="0"/>
+              <a:buChar char="•"/>
+            </a:pPr>
+            <a:r>
+              <a:rPr lang="en-US" sz="1600" dirty="0">
+                <a:latin typeface="Poppins Medium" panose="00000600000000000000" pitchFamily="2" charset="0"/>
+                <a:cs typeface="Poppins Medium" panose="00000600000000000000" pitchFamily="2" charset="0"/>
+              </a:rPr>
+              <a:t>Detailed restaurant information, including contact details and address</a:t>
+            </a:r>
+          </a:p>
+          <a:p>
+            <a:pPr marL="285750" indent="-285750" algn="just">
+              <a:lnSpc>
+                <a:spcPct val="150000"/>
+              </a:lnSpc>
+              <a:buFont typeface="Arial" panose="020B0604020202020204" pitchFamily="34" charset="0"/>
+              <a:buChar char="•"/>
+            </a:pPr>
+            <a:r>
+              <a:rPr lang="en-US" sz="1600" dirty="0">
+                <a:latin typeface="Poppins Medium" panose="00000600000000000000" pitchFamily="2" charset="0"/>
+                <a:cs typeface="Poppins Medium" panose="00000600000000000000" pitchFamily="2" charset="0"/>
+              </a:rPr>
+              <a:t>Personalized favorites list for easy reference</a:t>
+            </a:r>
+          </a:p>
+          <a:p>
+            <a:pPr marL="285750" indent="-285750" algn="just">
+              <a:lnSpc>
+                <a:spcPct val="150000"/>
+              </a:lnSpc>
+              <a:buFont typeface="Arial" panose="020B0604020202020204" pitchFamily="34" charset="0"/>
+              <a:buChar char="•"/>
+            </a:pPr>
+            <a:r>
+              <a:rPr lang="en-US" sz="1600" dirty="0">
+                <a:latin typeface="Poppins Medium" panose="00000600000000000000" pitchFamily="2" charset="0"/>
+                <a:cs typeface="Poppins Medium" panose="00000600000000000000" pitchFamily="2" charset="0"/>
+              </a:rPr>
+              <a:t>"Drops" feature for users to upload and share food vlog videos</a:t>
+            </a:r>
+          </a:p>
+          <a:p>
+            <a:pPr marL="285750" indent="-285750" algn="just">
+              <a:lnSpc>
+                <a:spcPct val="150000"/>
+              </a:lnSpc>
+              <a:buFont typeface="Arial" panose="020B0604020202020204" pitchFamily="34" charset="0"/>
+              <a:buChar char="•"/>
+            </a:pPr>
+            <a:r>
+              <a:rPr lang="en-US" sz="1600" dirty="0">
+                <a:latin typeface="Poppins Medium" panose="00000600000000000000" pitchFamily="2" charset="0"/>
+                <a:cs typeface="Poppins Medium" panose="00000600000000000000" pitchFamily="2" charset="0"/>
+              </a:rPr>
+              <a:t>Restaurant submission feature for users to suggest new restaurants</a:t>
+            </a:r>
+          </a:p>
+          <a:p>
+            <a:pPr marL="285750" indent="-285750" algn="just">
+              <a:lnSpc>
+                <a:spcPct val="150000"/>
+              </a:lnSpc>
+              <a:buFont typeface="Arial" panose="020B0604020202020204" pitchFamily="34" charset="0"/>
+              <a:buChar char="•"/>
+            </a:pPr>
+            <a:r>
+              <a:rPr lang="en-US" sz="1600" dirty="0">
+                <a:latin typeface="Poppins Medium" panose="00000600000000000000" pitchFamily="2" charset="0"/>
+                <a:cs typeface="Poppins Medium" panose="00000600000000000000" pitchFamily="2" charset="0"/>
+              </a:rPr>
+              <a:t>Admin panel for managing restaurant information and review user submitted suggestions</a:t>
+            </a:r>
+          </a:p>
+          <a:p>
+            <a:pPr marL="285750" indent="-285750" algn="just">
+              <a:lnSpc>
+                <a:spcPct val="150000"/>
+              </a:lnSpc>
+              <a:buFont typeface="Arial" panose="020B0604020202020204" pitchFamily="34" charset="0"/>
+              <a:buChar char="•"/>
+            </a:pPr>
+            <a:r>
+              <a:rPr lang="en-US" sz="1600" dirty="0">
+                <a:latin typeface="Poppins Medium" panose="00000600000000000000" pitchFamily="2" charset="0"/>
+                <a:cs typeface="Poppins Medium" panose="00000600000000000000" pitchFamily="2" charset="0"/>
+              </a:rPr>
+              <a:t>Mobile-friendly platform for easy access on-the-go</a:t>
+            </a:r>
+            <a:endParaRPr lang="en-IN" sz="1600" dirty="0">
+              <a:latin typeface="Poppins Medium" panose="00000600000000000000" pitchFamily="2" charset="0"/>
+              <a:cs typeface="Poppins Medium" panose="00000600000000000000" pitchFamily="2" charset="0"/>
+            </a:endParaRPr>
+          </a:p>
+        </p:txBody>
+      </p:sp>
+      <p:pic>
+        <p:nvPicPr>
+          <p:cNvPr id="8" name="Picture 7">
+            <a:extLst>
+              <a:ext uri="{FF2B5EF4-FFF2-40B4-BE49-F238E27FC236}">
+                <a16:creationId xmlns:a16="http://schemas.microsoft.com/office/drawing/2014/main" id="{FC22FF1D-1D30-45C1-A18D-C6B91ACFF4C3}"/>
+              </a:ext>
+            </a:extLst>
+          </p:cNvPr>
+          <p:cNvPicPr>
+            <a:picLocks noChangeAspect="1"/>
+          </p:cNvPicPr>
+          <p:nvPr/>
+        </p:nvPicPr>
+        <p:blipFill>
+          <a:blip r:embed="rId3">
+            <a:extLst>
+              <a:ext uri="{28A0092B-C50C-407E-A947-70E740481C1C}">
+                <a14:useLocalDpi xmlns:a14="http://schemas.microsoft.com/office/drawing/2010/main" val="0"/>
+              </a:ext>
+            </a:extLst>
+          </a:blip>
+          <a:stretch>
+            <a:fillRect/>
+          </a:stretch>
+        </p:blipFill>
+        <p:spPr>
+          <a:xfrm>
+            <a:off x="-6151004" y="1511326"/>
+            <a:ext cx="5164099" cy="4489433"/>
+          </a:xfrm>
+          <a:prstGeom prst="rect">
+            <a:avLst/>
+          </a:prstGeom>
+        </p:spPr>
+      </p:pic>
+      <p:pic>
+        <p:nvPicPr>
+          <p:cNvPr id="4" name="Picture 3">
+            <a:extLst>
+              <a:ext uri="{FF2B5EF4-FFF2-40B4-BE49-F238E27FC236}">
+                <a16:creationId xmlns:a16="http://schemas.microsoft.com/office/drawing/2014/main" id="{0DD3A8FA-FD78-4942-9AD2-986BADDD5D0A}"/>
+              </a:ext>
+            </a:extLst>
+          </p:cNvPr>
+          <p:cNvPicPr>
+            <a:picLocks noChangeAspect="1"/>
+          </p:cNvPicPr>
+          <p:nvPr/>
+        </p:nvPicPr>
+        <p:blipFill>
+          <a:blip r:embed="rId4">
+            <a:extLst>
+              <a:ext uri="{28A0092B-C50C-407E-A947-70E740481C1C}">
+                <a14:useLocalDpi xmlns:a14="http://schemas.microsoft.com/office/drawing/2010/main" val="0"/>
+              </a:ext>
+            </a:extLst>
+          </a:blip>
+          <a:stretch>
+            <a:fillRect/>
+          </a:stretch>
+        </p:blipFill>
+        <p:spPr>
+          <a:xfrm>
+            <a:off x="-252997" y="800723"/>
+            <a:ext cx="6348997" cy="6348997"/>
+          </a:xfrm>
+          <a:prstGeom prst="rect">
+            <a:avLst/>
+          </a:prstGeom>
+        </p:spPr>
+      </p:pic>
+      <p:sp>
+        <p:nvSpPr>
+          <p:cNvPr id="16" name="TextBox 15">
+            <a:extLst>
+              <a:ext uri="{FF2B5EF4-FFF2-40B4-BE49-F238E27FC236}">
+                <a16:creationId xmlns:a16="http://schemas.microsoft.com/office/drawing/2014/main" id="{55D15141-18E9-4C79-8DE0-E6387D798761}"/>
+              </a:ext>
+            </a:extLst>
+          </p:cNvPr>
+          <p:cNvSpPr txBox="1"/>
+          <p:nvPr/>
+        </p:nvSpPr>
+        <p:spPr>
+          <a:xfrm>
+            <a:off x="5646024" y="292386"/>
+            <a:ext cx="5154462" cy="707886"/>
+          </a:xfrm>
+          <a:prstGeom prst="rect">
+            <a:avLst/>
+          </a:prstGeom>
+          <a:noFill/>
+        </p:spPr>
+        <p:txBody>
+          <a:bodyPr wrap="square" rtlCol="0">
+            <a:spAutoFit/>
+          </a:bodyPr>
+          <a:lstStyle/>
+          <a:p>
+            <a:r>
+              <a:rPr lang="en-IN" sz="4000" dirty="0">
+                <a:latin typeface="Poppins Black" panose="00000A00000000000000" pitchFamily="2" charset="0"/>
+                <a:cs typeface="Poppins Black" panose="00000A00000000000000" pitchFamily="2" charset="0"/>
+              </a:rPr>
+              <a:t>Technology Used</a:t>
+            </a:r>
+          </a:p>
+        </p:txBody>
+      </p:sp>
+      <p:sp>
+        <p:nvSpPr>
+          <p:cNvPr id="17" name="TextBox 16">
+            <a:extLst>
+              <a:ext uri="{FF2B5EF4-FFF2-40B4-BE49-F238E27FC236}">
+                <a16:creationId xmlns:a16="http://schemas.microsoft.com/office/drawing/2014/main" id="{65B7AD3C-7073-4CBC-883D-C2B61531977B}"/>
+              </a:ext>
+            </a:extLst>
+          </p:cNvPr>
+          <p:cNvSpPr txBox="1"/>
+          <p:nvPr/>
+        </p:nvSpPr>
+        <p:spPr>
+          <a:xfrm>
+            <a:off x="6096001" y="1283881"/>
+            <a:ext cx="5588000" cy="3012107"/>
+          </a:xfrm>
+          <a:prstGeom prst="rect">
+            <a:avLst/>
+          </a:prstGeom>
+          <a:noFill/>
+        </p:spPr>
+        <p:txBody>
+          <a:bodyPr wrap="square" rtlCol="0">
+            <a:spAutoFit/>
+          </a:bodyPr>
+          <a:lstStyle/>
+          <a:p>
+            <a:pPr marL="285750" indent="-285750" algn="just">
+              <a:lnSpc>
+                <a:spcPct val="150000"/>
+              </a:lnSpc>
+              <a:buFont typeface="Arial" panose="020B0604020202020204" pitchFamily="34" charset="0"/>
+              <a:buChar char="•"/>
+            </a:pPr>
+            <a:r>
+              <a:rPr lang="en-US" sz="1600" dirty="0">
+                <a:latin typeface="Poppins Medium" panose="00000600000000000000" pitchFamily="2" charset="0"/>
+                <a:cs typeface="Poppins Medium" panose="00000600000000000000" pitchFamily="2" charset="0"/>
+              </a:rPr>
+              <a:t>Our platform is built using HTML, JavaScript, and Tailwind CSS for the frontend, and PHP and MySQL for the backend. This powerful combination of technologies ensures that our platform is user-friendly, responsive, and efficient.</a:t>
+            </a:r>
+          </a:p>
+          <a:p>
+            <a:pPr marL="285750" indent="-285750" algn="just">
+              <a:lnSpc>
+                <a:spcPct val="150000"/>
+              </a:lnSpc>
+              <a:buFont typeface="Arial" panose="020B0604020202020204" pitchFamily="34" charset="0"/>
+              <a:buChar char="•"/>
+            </a:pPr>
+            <a:r>
+              <a:rPr lang="en-US" sz="1600" dirty="0">
+                <a:latin typeface="Poppins Medium" panose="00000600000000000000" pitchFamily="2" charset="0"/>
+                <a:cs typeface="Poppins Medium" panose="00000600000000000000" pitchFamily="2" charset="0"/>
+              </a:rPr>
+              <a:t>We integrated the Geolocation API to retrieve the user's location and provide location-based recommendations.</a:t>
+            </a:r>
+            <a:endParaRPr lang="en-IN" sz="1600" dirty="0">
+              <a:latin typeface="Poppins Medium" panose="00000600000000000000" pitchFamily="2" charset="0"/>
+              <a:cs typeface="Poppins Medium" panose="00000600000000000000" pitchFamily="2" charset="0"/>
+            </a:endParaRPr>
+          </a:p>
+        </p:txBody>
+      </p:sp>
+    </p:spTree>
+    <p:extLst>
+      <p:ext uri="{BB962C8B-B14F-4D97-AF65-F5344CB8AC3E}">
+        <p14:creationId xmlns:p14="http://schemas.microsoft.com/office/powerpoint/2010/main" val="1952715280"/>
       </p:ext>
     </p:extLst>
   </p:cSld>

--- a/docs/PRESENTATION/presentation.pptx
+++ b/docs/PRESENTATION/presentation.pptx
@@ -266,7 +266,7 @@
           <a:p>
             <a:fld id="{35EAD42D-96AC-4984-95E1-D642714782A7}" type="datetimeFigureOut">
               <a:rPr lang="en-IN" smtClean="0"/>
-              <a:t>10-05-2023</a:t>
+              <a:t>11-05-2023</a:t>
             </a:fld>
             <a:endParaRPr lang="en-IN"/>
           </a:p>
@@ -466,7 +466,7 @@
           <a:p>
             <a:fld id="{35EAD42D-96AC-4984-95E1-D642714782A7}" type="datetimeFigureOut">
               <a:rPr lang="en-IN" smtClean="0"/>
-              <a:t>10-05-2023</a:t>
+              <a:t>11-05-2023</a:t>
             </a:fld>
             <a:endParaRPr lang="en-IN"/>
           </a:p>
@@ -676,7 +676,7 @@
           <a:p>
             <a:fld id="{35EAD42D-96AC-4984-95E1-D642714782A7}" type="datetimeFigureOut">
               <a:rPr lang="en-IN" smtClean="0"/>
-              <a:t>10-05-2023</a:t>
+              <a:t>11-05-2023</a:t>
             </a:fld>
             <a:endParaRPr lang="en-IN"/>
           </a:p>
@@ -876,7 +876,7 @@
           <a:p>
             <a:fld id="{35EAD42D-96AC-4984-95E1-D642714782A7}" type="datetimeFigureOut">
               <a:rPr lang="en-IN" smtClean="0"/>
-              <a:t>10-05-2023</a:t>
+              <a:t>11-05-2023</a:t>
             </a:fld>
             <a:endParaRPr lang="en-IN"/>
           </a:p>
@@ -1152,7 +1152,7 @@
           <a:p>
             <a:fld id="{35EAD42D-96AC-4984-95E1-D642714782A7}" type="datetimeFigureOut">
               <a:rPr lang="en-IN" smtClean="0"/>
-              <a:t>10-05-2023</a:t>
+              <a:t>11-05-2023</a:t>
             </a:fld>
             <a:endParaRPr lang="en-IN"/>
           </a:p>
@@ -1420,7 +1420,7 @@
           <a:p>
             <a:fld id="{35EAD42D-96AC-4984-95E1-D642714782A7}" type="datetimeFigureOut">
               <a:rPr lang="en-IN" smtClean="0"/>
-              <a:t>10-05-2023</a:t>
+              <a:t>11-05-2023</a:t>
             </a:fld>
             <a:endParaRPr lang="en-IN"/>
           </a:p>
@@ -1835,7 +1835,7 @@
           <a:p>
             <a:fld id="{35EAD42D-96AC-4984-95E1-D642714782A7}" type="datetimeFigureOut">
               <a:rPr lang="en-IN" smtClean="0"/>
-              <a:t>10-05-2023</a:t>
+              <a:t>11-05-2023</a:t>
             </a:fld>
             <a:endParaRPr lang="en-IN"/>
           </a:p>
@@ -1977,7 +1977,7 @@
           <a:p>
             <a:fld id="{35EAD42D-96AC-4984-95E1-D642714782A7}" type="datetimeFigureOut">
               <a:rPr lang="en-IN" smtClean="0"/>
-              <a:t>10-05-2023</a:t>
+              <a:t>11-05-2023</a:t>
             </a:fld>
             <a:endParaRPr lang="en-IN"/>
           </a:p>
@@ -2090,7 +2090,7 @@
           <a:p>
             <a:fld id="{35EAD42D-96AC-4984-95E1-D642714782A7}" type="datetimeFigureOut">
               <a:rPr lang="en-IN" smtClean="0"/>
-              <a:t>10-05-2023</a:t>
+              <a:t>11-05-2023</a:t>
             </a:fld>
             <a:endParaRPr lang="en-IN"/>
           </a:p>
@@ -2403,7 +2403,7 @@
           <a:p>
             <a:fld id="{35EAD42D-96AC-4984-95E1-D642714782A7}" type="datetimeFigureOut">
               <a:rPr lang="en-IN" smtClean="0"/>
-              <a:t>10-05-2023</a:t>
+              <a:t>11-05-2023</a:t>
             </a:fld>
             <a:endParaRPr lang="en-IN"/>
           </a:p>
@@ -2692,7 +2692,7 @@
           <a:p>
             <a:fld id="{35EAD42D-96AC-4984-95E1-D642714782A7}" type="datetimeFigureOut">
               <a:rPr lang="en-IN" smtClean="0"/>
-              <a:t>10-05-2023</a:t>
+              <a:t>11-05-2023</a:t>
             </a:fld>
             <a:endParaRPr lang="en-IN"/>
           </a:p>
@@ -2935,7 +2935,7 @@
           <a:p>
             <a:fld id="{35EAD42D-96AC-4984-95E1-D642714782A7}" type="datetimeFigureOut">
               <a:rPr lang="en-IN" smtClean="0"/>
-              <a:t>10-05-2023</a:t>
+              <a:t>11-05-2023</a:t>
             </a:fld>
             <a:endParaRPr lang="en-IN"/>
           </a:p>
@@ -4276,64 +4276,6 @@
       </p:sp>
       <p:sp>
         <p:nvSpPr>
-          <p:cNvPr id="15" name="TextBox 14">
-            <a:extLst>
-              <a:ext uri="{FF2B5EF4-FFF2-40B4-BE49-F238E27FC236}">
-                <a16:creationId xmlns:a16="http://schemas.microsoft.com/office/drawing/2014/main" id="{7112B4AA-5091-43C6-853C-4DD8D54B8974}"/>
-              </a:ext>
-            </a:extLst>
-          </p:cNvPr>
-          <p:cNvSpPr txBox="1"/>
-          <p:nvPr/>
-        </p:nvSpPr>
-        <p:spPr>
-          <a:xfrm>
-            <a:off x="12904489" y="1585879"/>
-            <a:ext cx="6284686" cy="3381439"/>
-          </a:xfrm>
-          <a:prstGeom prst="rect">
-            <a:avLst/>
-          </a:prstGeom>
-          <a:noFill/>
-        </p:spPr>
-        <p:txBody>
-          <a:bodyPr wrap="square" rtlCol="0">
-            <a:spAutoFit/>
-          </a:bodyPr>
-          <a:lstStyle/>
-          <a:p>
-            <a:pPr algn="just">
-              <a:lnSpc>
-                <a:spcPct val="150000"/>
-              </a:lnSpc>
-            </a:pPr>
-            <a:endParaRPr lang="en-US" sz="1600" dirty="0">
-              <a:latin typeface="Poppins Medium" panose="00000600000000000000" pitchFamily="2" charset="0"/>
-              <a:cs typeface="Poppins Medium" panose="00000600000000000000" pitchFamily="2" charset="0"/>
-            </a:endParaRPr>
-          </a:p>
-          <a:p>
-            <a:pPr algn="just">
-              <a:lnSpc>
-                <a:spcPct val="150000"/>
-              </a:lnSpc>
-            </a:pPr>
-            <a:r>
-              <a:rPr lang="en-US" sz="1600" dirty="0">
-                <a:latin typeface="Poppins Medium" panose="00000600000000000000" pitchFamily="2" charset="0"/>
-                <a:cs typeface="Poppins Medium" panose="00000600000000000000" pitchFamily="2" charset="0"/>
-              </a:rPr>
-              <a:t>EATABLES is a dynamic and user-friendly platform that provides a convenient way for food lovers to discover new dining options. With features like location-based restaurant searches, user reviews, personalized favorites lists, vlog uploads, and filtered search results, By creating a community-driven approach, EATABLES fosters engagement and encourages users to share their dining experiences and recommendations with others.</a:t>
-            </a:r>
-            <a:endParaRPr lang="en-IN" sz="1600" dirty="0">
-              <a:latin typeface="Poppins Medium" panose="00000600000000000000" pitchFamily="2" charset="0"/>
-              <a:cs typeface="Poppins Medium" panose="00000600000000000000" pitchFamily="2" charset="0"/>
-            </a:endParaRPr>
-          </a:p>
-        </p:txBody>
-      </p:sp>
-      <p:sp>
-        <p:nvSpPr>
           <p:cNvPr id="20" name="TextBox 19">
             <a:extLst>
               <a:ext uri="{FF2B5EF4-FFF2-40B4-BE49-F238E27FC236}">
@@ -4420,6 +4362,53 @@
               </a:solidFill>
               <a:latin typeface="Bahnschrift SemiBold Condensed" panose="020B0502040204020203" pitchFamily="34" charset="0"/>
               <a:cs typeface="Poppins SemiBold" panose="00000700000000000000" pitchFamily="2" charset="0"/>
+            </a:endParaRPr>
+          </a:p>
+        </p:txBody>
+      </p:sp>
+      <p:sp>
+        <p:nvSpPr>
+          <p:cNvPr id="10" name="TextBox 9">
+            <a:extLst>
+              <a:ext uri="{FF2B5EF4-FFF2-40B4-BE49-F238E27FC236}">
+                <a16:creationId xmlns:a16="http://schemas.microsoft.com/office/drawing/2014/main" id="{97789FE6-2468-437A-9631-A9E6B770E554}"/>
+              </a:ext>
+            </a:extLst>
+          </p:cNvPr>
+          <p:cNvSpPr txBox="1"/>
+          <p:nvPr/>
+        </p:nvSpPr>
+        <p:spPr>
+          <a:xfrm>
+            <a:off x="13393014" y="1429767"/>
+            <a:ext cx="6032047" cy="3012107"/>
+          </a:xfrm>
+          <a:prstGeom prst="rect">
+            <a:avLst/>
+          </a:prstGeom>
+          <a:noFill/>
+        </p:spPr>
+        <p:txBody>
+          <a:bodyPr wrap="square" rtlCol="0">
+            <a:spAutoFit/>
+          </a:bodyPr>
+          <a:lstStyle/>
+          <a:p>
+            <a:pPr algn="just">
+              <a:lnSpc>
+                <a:spcPct val="150000"/>
+              </a:lnSpc>
+            </a:pPr>
+            <a:r>
+              <a:rPr lang="en-US" sz="1600" dirty="0">
+                <a:latin typeface="Poppins Medium" panose="00000600000000000000" pitchFamily="2" charset="0"/>
+                <a:cs typeface="Poppins Medium" panose="00000600000000000000" pitchFamily="2" charset="0"/>
+              </a:rPr>
+              <a:t>EATABLES is a dynamic and user-friendly platform that provides a convenient way for food lovers to discover new dining options. With features like location-based restaurant recommendation, user reviews, personalized favorites lists, vlog uploads, and filtered search results, By creating a community-driven approach, EATABLES fosters engagement and encourages users to share their dining experiences and recommendations with others.</a:t>
+            </a:r>
+            <a:endParaRPr lang="en-IN" sz="1600" dirty="0">
+              <a:latin typeface="Poppins Medium" panose="00000600000000000000" pitchFamily="2" charset="0"/>
+              <a:cs typeface="Poppins Medium" panose="00000600000000000000" pitchFamily="2" charset="0"/>
             </a:endParaRPr>
           </a:p>
         </p:txBody>
@@ -4728,21 +4717,7 @@
                 <a:latin typeface="Poppins Medium" panose="00000600000000000000" pitchFamily="2" charset="0"/>
                 <a:cs typeface="Poppins Medium" panose="00000600000000000000" pitchFamily="2" charset="0"/>
               </a:rPr>
-              <a:t>EATABLES is a dynamic and user-friendly platform that provides a convenient way for food lovers to discover new dining options. With features like location-based restaurant </a:t>
-            </a:r>
-            <a:r>
-              <a:rPr lang="en-US" sz="1600" dirty="0" err="1">
-                <a:latin typeface="Poppins Medium" panose="00000600000000000000" pitchFamily="2" charset="0"/>
-                <a:cs typeface="Poppins Medium" panose="00000600000000000000" pitchFamily="2" charset="0"/>
-              </a:rPr>
-              <a:t>recomendation</a:t>
-            </a:r>
-            <a:r>
-              <a:rPr lang="en-US" sz="1600" dirty="0">
-                <a:latin typeface="Poppins Medium" panose="00000600000000000000" pitchFamily="2" charset="0"/>
-                <a:cs typeface="Poppins Medium" panose="00000600000000000000" pitchFamily="2" charset="0"/>
-              </a:rPr>
-              <a:t>, user reviews, personalized favorites lists, vlog uploads, and filtered search results, By creating a community-driven approach, EATABLES fosters engagement and encourages users to share their dining experiences and recommendations with others.</a:t>
+              <a:t>EATABLES is a dynamic and user-friendly platform that provides a convenient way for food lovers to discover new dining options. With features like location-based restaurant recommendation, user reviews, personalized favorites lists, vlog uploads, and filtered search results, By creating a community-driven approach, EATABLES fosters engagement and encourages users to share their dining experiences and recommendations with others.</a:t>
             </a:r>
             <a:endParaRPr lang="en-IN" sz="1600" dirty="0">
               <a:latin typeface="Poppins Medium" panose="00000600000000000000" pitchFamily="2" charset="0"/>
@@ -4803,7 +4778,7 @@
         </p:nvSpPr>
         <p:spPr>
           <a:xfrm>
-            <a:off x="14794540" y="1184283"/>
+            <a:off x="5252631" y="7365175"/>
             <a:ext cx="5680791" cy="4489434"/>
           </a:xfrm>
           <a:prstGeom prst="rect">
@@ -4962,7 +4937,7 @@
         </p:blipFill>
         <p:spPr>
           <a:xfrm>
-            <a:off x="-5764606" y="1354215"/>
+            <a:off x="-1190536" y="-4489435"/>
             <a:ext cx="5164099" cy="4489433"/>
           </a:xfrm>
           <a:prstGeom prst="rect">
@@ -5212,7 +5187,7 @@
         </p:nvSpPr>
         <p:spPr>
           <a:xfrm>
-            <a:off x="5764011" y="-1543387"/>
+            <a:off x="12855850" y="323163"/>
             <a:ext cx="4277032" cy="707886"/>
           </a:xfrm>
           <a:prstGeom prst="rect">
@@ -5238,10 +5213,10 @@
       </p:sp>
       <p:sp>
         <p:nvSpPr>
-          <p:cNvPr id="15" name="TextBox 14">
-            <a:extLst>
-              <a:ext uri="{FF2B5EF4-FFF2-40B4-BE49-F238E27FC236}">
-                <a16:creationId xmlns:a16="http://schemas.microsoft.com/office/drawing/2014/main" id="{7112B4AA-5091-43C6-853C-4DD8D54B8974}"/>
+          <p:cNvPr id="10" name="TextBox 9">
+            <a:extLst>
+              <a:ext uri="{FF2B5EF4-FFF2-40B4-BE49-F238E27FC236}">
+                <a16:creationId xmlns:a16="http://schemas.microsoft.com/office/drawing/2014/main" id="{A48A13DC-5040-4F33-9608-6D396E96AAE3}"/>
               </a:ext>
             </a:extLst>
           </p:cNvPr>
@@ -5250,68 +5225,7 @@
         </p:nvSpPr>
         <p:spPr>
           <a:xfrm>
-            <a:off x="12855850" y="2025748"/>
-            <a:ext cx="6032047" cy="3012107"/>
-          </a:xfrm>
-          <a:prstGeom prst="rect">
-            <a:avLst/>
-          </a:prstGeom>
-          <a:noFill/>
-        </p:spPr>
-        <p:txBody>
-          <a:bodyPr wrap="square" rtlCol="0">
-            <a:spAutoFit/>
-          </a:bodyPr>
-          <a:lstStyle/>
-          <a:p>
-            <a:pPr algn="just">
-              <a:lnSpc>
-                <a:spcPct val="150000"/>
-              </a:lnSpc>
-            </a:pPr>
-            <a:r>
-              <a:rPr lang="en-US" sz="1600" dirty="0">
-                <a:latin typeface="Poppins Medium" panose="00000600000000000000" pitchFamily="2" charset="0"/>
-                <a:cs typeface="Poppins Medium" panose="00000600000000000000" pitchFamily="2" charset="0"/>
-              </a:rPr>
-              <a:t>EATABLES is a dynamic and user-friendly platform that provides a convenient way for food lovers to discover new dining options. With features like location-based restaurant </a:t>
-            </a:r>
-            <a:r>
-              <a:rPr lang="en-US" sz="1600" dirty="0" err="1">
-                <a:latin typeface="Poppins Medium" panose="00000600000000000000" pitchFamily="2" charset="0"/>
-                <a:cs typeface="Poppins Medium" panose="00000600000000000000" pitchFamily="2" charset="0"/>
-              </a:rPr>
-              <a:t>recomendation</a:t>
-            </a:r>
-            <a:r>
-              <a:rPr lang="en-US" sz="1600" dirty="0">
-                <a:latin typeface="Poppins Medium" panose="00000600000000000000" pitchFamily="2" charset="0"/>
-                <a:cs typeface="Poppins Medium" panose="00000600000000000000" pitchFamily="2" charset="0"/>
-              </a:rPr>
-              <a:t>, user reviews, personalized favorites lists, vlog uploads, and filtered search results, By creating a community-driven approach, EATABLES fosters engagement and encourages users to share their dining experiences and recommendations with others.</a:t>
-            </a:r>
-            <a:endParaRPr lang="en-IN" sz="1600" dirty="0">
-              <a:latin typeface="Poppins Medium" panose="00000600000000000000" pitchFamily="2" charset="0"/>
-              <a:cs typeface="Poppins Medium" panose="00000600000000000000" pitchFamily="2" charset="0"/>
-            </a:endParaRPr>
-          </a:p>
-        </p:txBody>
-      </p:sp>
-      <p:sp>
-        <p:nvSpPr>
-          <p:cNvPr id="10" name="TextBox 9">
-            <a:extLst>
-              <a:ext uri="{FF2B5EF4-FFF2-40B4-BE49-F238E27FC236}">
-                <a16:creationId xmlns:a16="http://schemas.microsoft.com/office/drawing/2014/main" id="{A48A13DC-5040-4F33-9608-6D396E96AAE3}"/>
-              </a:ext>
-            </a:extLst>
-          </p:cNvPr>
-          <p:cNvSpPr txBox="1"/>
-          <p:nvPr/>
-        </p:nvSpPr>
-        <p:spPr>
-          <a:xfrm>
-            <a:off x="5764011" y="558262"/>
+            <a:off x="5687886" y="375489"/>
             <a:ext cx="4277032" cy="707886"/>
           </a:xfrm>
           <a:prstGeom prst="rect">
@@ -5544,7 +5458,7 @@
         </p:blipFill>
         <p:spPr>
           <a:xfrm>
-            <a:off x="-5945733" y="912205"/>
+            <a:off x="-6462316" y="4657822"/>
             <a:ext cx="6348997" cy="6348997"/>
           </a:xfrm>
           <a:prstGeom prst="rect">
@@ -5552,6 +5466,156 @@
           </a:prstGeom>
         </p:spPr>
       </p:pic>
+      <p:sp>
+        <p:nvSpPr>
+          <p:cNvPr id="12" name="TextBox 11">
+            <a:extLst>
+              <a:ext uri="{FF2B5EF4-FFF2-40B4-BE49-F238E27FC236}">
+                <a16:creationId xmlns:a16="http://schemas.microsoft.com/office/drawing/2014/main" id="{337AEE39-A357-427A-8B6B-1E62CBA1CDB0}"/>
+              </a:ext>
+            </a:extLst>
+          </p:cNvPr>
+          <p:cNvSpPr txBox="1"/>
+          <p:nvPr/>
+        </p:nvSpPr>
+        <p:spPr>
+          <a:xfrm>
+            <a:off x="11395837" y="-1081482"/>
+            <a:ext cx="5154462" cy="707886"/>
+          </a:xfrm>
+          <a:prstGeom prst="rect">
+            <a:avLst/>
+          </a:prstGeom>
+          <a:noFill/>
+        </p:spPr>
+        <p:txBody>
+          <a:bodyPr wrap="square" rtlCol="0">
+            <a:spAutoFit/>
+          </a:bodyPr>
+          <a:lstStyle/>
+          <a:p>
+            <a:r>
+              <a:rPr lang="en-IN" sz="4000" dirty="0">
+                <a:latin typeface="Poppins Black" panose="00000A00000000000000" pitchFamily="2" charset="0"/>
+                <a:cs typeface="Poppins Black" panose="00000A00000000000000" pitchFamily="2" charset="0"/>
+              </a:rPr>
+              <a:t>Technology Used</a:t>
+            </a:r>
+          </a:p>
+        </p:txBody>
+      </p:sp>
+      <p:sp>
+        <p:nvSpPr>
+          <p:cNvPr id="17" name="TextBox 16">
+            <a:extLst>
+              <a:ext uri="{FF2B5EF4-FFF2-40B4-BE49-F238E27FC236}">
+                <a16:creationId xmlns:a16="http://schemas.microsoft.com/office/drawing/2014/main" id="{369D01D0-892A-4743-95CB-D352905A1231}"/>
+              </a:ext>
+            </a:extLst>
+          </p:cNvPr>
+          <p:cNvSpPr txBox="1"/>
+          <p:nvPr/>
+        </p:nvSpPr>
+        <p:spPr>
+          <a:xfrm>
+            <a:off x="13071652" y="7315938"/>
+            <a:ext cx="5588000" cy="3012107"/>
+          </a:xfrm>
+          <a:prstGeom prst="rect">
+            <a:avLst/>
+          </a:prstGeom>
+          <a:noFill/>
+        </p:spPr>
+        <p:txBody>
+          <a:bodyPr wrap="square" rtlCol="0">
+            <a:spAutoFit/>
+          </a:bodyPr>
+          <a:lstStyle/>
+          <a:p>
+            <a:pPr marL="285750" indent="-285750" algn="just">
+              <a:lnSpc>
+                <a:spcPct val="150000"/>
+              </a:lnSpc>
+              <a:buFont typeface="Arial" panose="020B0604020202020204" pitchFamily="34" charset="0"/>
+              <a:buChar char="•"/>
+            </a:pPr>
+            <a:r>
+              <a:rPr lang="en-US" sz="1600" dirty="0">
+                <a:latin typeface="Poppins Medium" panose="00000600000000000000" pitchFamily="2" charset="0"/>
+                <a:cs typeface="Poppins Medium" panose="00000600000000000000" pitchFamily="2" charset="0"/>
+              </a:rPr>
+              <a:t>Our platform is built using HTML, JavaScript, and Tailwind CSS for the frontend, and PHP and MySQL for the backend. This powerful combination of technologies ensures that our platform is user-friendly, responsive, and efficient.</a:t>
+            </a:r>
+          </a:p>
+          <a:p>
+            <a:pPr marL="285750" indent="-285750" algn="just">
+              <a:lnSpc>
+                <a:spcPct val="150000"/>
+              </a:lnSpc>
+              <a:buFont typeface="Arial" panose="020B0604020202020204" pitchFamily="34" charset="0"/>
+              <a:buChar char="•"/>
+            </a:pPr>
+            <a:r>
+              <a:rPr lang="en-US" sz="1600" dirty="0">
+                <a:latin typeface="Poppins Medium" panose="00000600000000000000" pitchFamily="2" charset="0"/>
+                <a:cs typeface="Poppins Medium" panose="00000600000000000000" pitchFamily="2" charset="0"/>
+              </a:rPr>
+              <a:t>We integrated the Geolocation API to retrieve the user's location and provide location-based recommendations.</a:t>
+            </a:r>
+            <a:endParaRPr lang="en-IN" sz="1600" dirty="0">
+              <a:latin typeface="Poppins Medium" panose="00000600000000000000" pitchFamily="2" charset="0"/>
+              <a:cs typeface="Poppins Medium" panose="00000600000000000000" pitchFamily="2" charset="0"/>
+            </a:endParaRPr>
+          </a:p>
+        </p:txBody>
+      </p:sp>
+      <p:sp>
+        <p:nvSpPr>
+          <p:cNvPr id="18" name="TextBox 17">
+            <a:extLst>
+              <a:ext uri="{FF2B5EF4-FFF2-40B4-BE49-F238E27FC236}">
+                <a16:creationId xmlns:a16="http://schemas.microsoft.com/office/drawing/2014/main" id="{1AD23283-5898-450F-8F36-CD7CE9519020}"/>
+              </a:ext>
+            </a:extLst>
+          </p:cNvPr>
+          <p:cNvSpPr txBox="1"/>
+          <p:nvPr/>
+        </p:nvSpPr>
+        <p:spPr>
+          <a:xfrm>
+            <a:off x="-6695897" y="2025748"/>
+            <a:ext cx="6032047" cy="3012107"/>
+          </a:xfrm>
+          <a:prstGeom prst="rect">
+            <a:avLst/>
+          </a:prstGeom>
+          <a:noFill/>
+        </p:spPr>
+        <p:txBody>
+          <a:bodyPr wrap="square" rtlCol="0">
+            <a:spAutoFit/>
+          </a:bodyPr>
+          <a:lstStyle/>
+          <a:p>
+            <a:pPr algn="just">
+              <a:lnSpc>
+                <a:spcPct val="150000"/>
+              </a:lnSpc>
+            </a:pPr>
+            <a:r>
+              <a:rPr lang="en-US" sz="1600" dirty="0">
+                <a:latin typeface="Poppins Medium" panose="00000600000000000000" pitchFamily="2" charset="0"/>
+                <a:cs typeface="Poppins Medium" panose="00000600000000000000" pitchFamily="2" charset="0"/>
+              </a:rPr>
+              <a:t>EATABLES is a dynamic and user-friendly platform that provides a convenient way for food lovers to discover new dining options. With features like location-based restaurant recommendation, user reviews, personalized favorites lists, vlog uploads, and filtered search results, By creating a community-driven approach, EATABLES fosters engagement and encourages users to share their dining experiences and recommendations with others.</a:t>
+            </a:r>
+            <a:endParaRPr lang="en-IN" sz="1600" dirty="0">
+              <a:latin typeface="Poppins Medium" panose="00000600000000000000" pitchFamily="2" charset="0"/>
+              <a:cs typeface="Poppins Medium" panose="00000600000000000000" pitchFamily="2" charset="0"/>
+            </a:endParaRPr>
+          </a:p>
+        </p:txBody>
+      </p:sp>
     </p:spTree>
     <p:extLst>
       <p:ext uri="{BB962C8B-B14F-4D97-AF65-F5344CB8AC3E}">
@@ -6112,13 +6176,13 @@
   <p:clrMapOvr>
     <a:masterClrMapping/>
   </p:clrMapOvr>
-  <mc:AlternateContent xmlns:mc="http://schemas.openxmlformats.org/markup-compatibility/2006">
-    <mc:Choice xmlns:p159="http://schemas.microsoft.com/office/powerpoint/2015/09/main" Requires="p159">
+  <mc:AlternateContent xmlns:mc="http://schemas.openxmlformats.org/markup-compatibility/2006" xmlns:p159="http://schemas.microsoft.com/office/powerpoint/2015/09/main">
+    <mc:Choice Requires="p159">
       <p:transition xmlns:p14="http://schemas.microsoft.com/office/powerpoint/2010/main" spd="slow" p14:dur="2000">
         <p159:morph option="byObject"/>
       </p:transition>
     </mc:Choice>
-    <mc:Fallback>
+    <mc:Fallback xmlns="">
       <p:transition spd="slow">
         <p:fade/>
       </p:transition>
